--- a/08_마이크로마우스 프로그래밍 개요.pptx
+++ b/08_마이크로마우스 프로그래밍 개요.pptx
@@ -7,9 +7,10 @@
   <p:sldIdLst>
     <p:sldId id="256" r:id="rId2"/>
     <p:sldId id="257" r:id="rId3"/>
-    <p:sldId id="258" r:id="rId4"/>
-    <p:sldId id="259" r:id="rId5"/>
-    <p:sldId id="260" r:id="rId6"/>
+    <p:sldId id="261" r:id="rId4"/>
+    <p:sldId id="258" r:id="rId5"/>
+    <p:sldId id="259" r:id="rId6"/>
+    <p:sldId id="260" r:id="rId7"/>
   </p:sldIdLst>
   <p:sldSz cx="9144000" cy="6858000" type="screen4x3"/>
   <p:notesSz cx="6858000" cy="9144000"/>
@@ -293,7 +294,7 @@
             <a:fld id="{E37AA025-A252-4C8F-A795-9A8E714CAB6A}" type="datetimeFigureOut">
               <a:rPr lang="ko-KR" altLang="en-US" smtClean="0"/>
               <a:pPr/>
-              <a:t>2018-05-17</a:t>
+              <a:t>2018-05-22</a:t>
             </a:fld>
             <a:endParaRPr lang="ko-KR" altLang="en-US"/>
           </a:p>
@@ -460,7 +461,7 @@
             <a:fld id="{E37AA025-A252-4C8F-A795-9A8E714CAB6A}" type="datetimeFigureOut">
               <a:rPr lang="ko-KR" altLang="en-US" smtClean="0"/>
               <a:pPr/>
-              <a:t>2018-05-17</a:t>
+              <a:t>2018-05-22</a:t>
             </a:fld>
             <a:endParaRPr lang="ko-KR" altLang="en-US"/>
           </a:p>
@@ -637,7 +638,7 @@
             <a:fld id="{E37AA025-A252-4C8F-A795-9A8E714CAB6A}" type="datetimeFigureOut">
               <a:rPr lang="ko-KR" altLang="en-US" smtClean="0"/>
               <a:pPr/>
-              <a:t>2018-05-17</a:t>
+              <a:t>2018-05-22</a:t>
             </a:fld>
             <a:endParaRPr lang="ko-KR" altLang="en-US"/>
           </a:p>
@@ -804,7 +805,7 @@
             <a:fld id="{E37AA025-A252-4C8F-A795-9A8E714CAB6A}" type="datetimeFigureOut">
               <a:rPr lang="ko-KR" altLang="en-US" smtClean="0"/>
               <a:pPr/>
-              <a:t>2018-05-17</a:t>
+              <a:t>2018-05-22</a:t>
             </a:fld>
             <a:endParaRPr lang="ko-KR" altLang="en-US"/>
           </a:p>
@@ -1047,7 +1048,7 @@
             <a:fld id="{E37AA025-A252-4C8F-A795-9A8E714CAB6A}" type="datetimeFigureOut">
               <a:rPr lang="ko-KR" altLang="en-US" smtClean="0"/>
               <a:pPr/>
-              <a:t>2018-05-17</a:t>
+              <a:t>2018-05-22</a:t>
             </a:fld>
             <a:endParaRPr lang="ko-KR" altLang="en-US"/>
           </a:p>
@@ -1332,7 +1333,7 @@
             <a:fld id="{E37AA025-A252-4C8F-A795-9A8E714CAB6A}" type="datetimeFigureOut">
               <a:rPr lang="ko-KR" altLang="en-US" smtClean="0"/>
               <a:pPr/>
-              <a:t>2018-05-17</a:t>
+              <a:t>2018-05-22</a:t>
             </a:fld>
             <a:endParaRPr lang="ko-KR" altLang="en-US"/>
           </a:p>
@@ -1751,7 +1752,7 @@
             <a:fld id="{E37AA025-A252-4C8F-A795-9A8E714CAB6A}" type="datetimeFigureOut">
               <a:rPr lang="ko-KR" altLang="en-US" smtClean="0"/>
               <a:pPr/>
-              <a:t>2018-05-17</a:t>
+              <a:t>2018-05-22</a:t>
             </a:fld>
             <a:endParaRPr lang="ko-KR" altLang="en-US"/>
           </a:p>
@@ -1866,7 +1867,7 @@
             <a:fld id="{E37AA025-A252-4C8F-A795-9A8E714CAB6A}" type="datetimeFigureOut">
               <a:rPr lang="ko-KR" altLang="en-US" smtClean="0"/>
               <a:pPr/>
-              <a:t>2018-05-17</a:t>
+              <a:t>2018-05-22</a:t>
             </a:fld>
             <a:endParaRPr lang="ko-KR" altLang="en-US"/>
           </a:p>
@@ -1958,7 +1959,7 @@
             <a:fld id="{E37AA025-A252-4C8F-A795-9A8E714CAB6A}" type="datetimeFigureOut">
               <a:rPr lang="ko-KR" altLang="en-US" smtClean="0"/>
               <a:pPr/>
-              <a:t>2018-05-17</a:t>
+              <a:t>2018-05-22</a:t>
             </a:fld>
             <a:endParaRPr lang="ko-KR" altLang="en-US"/>
           </a:p>
@@ -2232,7 +2233,7 @@
             <a:fld id="{E37AA025-A252-4C8F-A795-9A8E714CAB6A}" type="datetimeFigureOut">
               <a:rPr lang="ko-KR" altLang="en-US" smtClean="0"/>
               <a:pPr/>
-              <a:t>2018-05-17</a:t>
+              <a:t>2018-05-22</a:t>
             </a:fld>
             <a:endParaRPr lang="ko-KR" altLang="en-US"/>
           </a:p>
@@ -2482,7 +2483,7 @@
             <a:fld id="{E37AA025-A252-4C8F-A795-9A8E714CAB6A}" type="datetimeFigureOut">
               <a:rPr lang="ko-KR" altLang="en-US" smtClean="0"/>
               <a:pPr/>
-              <a:t>2018-05-17</a:t>
+              <a:t>2018-05-22</a:t>
             </a:fld>
             <a:endParaRPr lang="ko-KR" altLang="en-US"/>
           </a:p>
@@ -2692,7 +2693,7 @@
             <a:fld id="{E37AA025-A252-4C8F-A795-9A8E714CAB6A}" type="datetimeFigureOut">
               <a:rPr lang="ko-KR" altLang="en-US" smtClean="0"/>
               <a:pPr/>
-              <a:t>2018-05-17</a:t>
+              <a:t>2018-05-22</a:t>
             </a:fld>
             <a:endParaRPr lang="ko-KR" altLang="en-US"/>
           </a:p>
@@ -3127,7 +3128,6 @@
               <a:rPr lang="en-US" altLang="ko-KR" dirty="0" smtClean="0"/>
               <a:t>)</a:t>
             </a:r>
-            <a:endParaRPr lang="en-US" altLang="ko-KR" dirty="0" smtClean="0"/>
           </a:p>
           <a:p>
             <a:pPr algn="ctr"/>
@@ -3928,11 +3928,7 @@
           <a:bodyPr/>
           <a:lstStyle/>
           <a:p>
-            <a:r>
-              <a:rPr lang="ko-KR" altLang="en-US" dirty="0" smtClean="0"/>
-              <a:t>센서</a:t>
-            </a:r>
-            <a:endParaRPr lang="ko-KR" altLang="en-US" dirty="0"/>
+            <a:endParaRPr lang="ko-KR" altLang="en-US"/>
           </a:p>
         </p:txBody>
       </p:sp>
@@ -3948,354 +3944,10 @@
         </p:nvSpPr>
         <p:spPr/>
         <p:txBody>
-          <a:bodyPr>
-            <a:normAutofit/>
-          </a:bodyPr>
-          <a:lstStyle/>
-          <a:p>
-            <a:pPr>
-              <a:buNone/>
-            </a:pPr>
-            <a:r>
-              <a:rPr lang="en-US" altLang="ko-KR" sz="1200" dirty="0" smtClean="0"/>
-              <a:t>1. </a:t>
-            </a:r>
-            <a:r>
-              <a:rPr lang="ko-KR" altLang="en-US" sz="1200" dirty="0" smtClean="0"/>
-              <a:t>작동 </a:t>
-            </a:r>
-            <a:r>
-              <a:rPr lang="en-US" altLang="ko-KR" sz="1200" dirty="0" smtClean="0"/>
-              <a:t>: </a:t>
-            </a:r>
-            <a:r>
-              <a:rPr lang="ko-KR" altLang="en-US" sz="1200" dirty="0" smtClean="0"/>
-              <a:t>모듈화된 센서를 사용하기 때문에 센서값을 </a:t>
-            </a:r>
-            <a:r>
-              <a:rPr lang="en-US" altLang="ko-KR" sz="1200" dirty="0" smtClean="0"/>
-              <a:t>analogRead</a:t>
-            </a:r>
-            <a:r>
-              <a:rPr lang="ko-KR" altLang="en-US" sz="1200" dirty="0" smtClean="0"/>
-              <a:t>로 읽어들이면 됨</a:t>
-            </a:r>
-            <a:endParaRPr lang="en-US" altLang="ko-KR" sz="1200" dirty="0" smtClean="0"/>
-          </a:p>
-          <a:p>
-            <a:endParaRPr lang="en-US" altLang="ko-KR" sz="1200" dirty="0" smtClean="0"/>
-          </a:p>
-          <a:p>
-            <a:pPr>
-              <a:buNone/>
-            </a:pPr>
-            <a:r>
-              <a:rPr lang="en-US" altLang="ko-KR" sz="1200" dirty="0" smtClean="0"/>
-              <a:t>2. </a:t>
-            </a:r>
-            <a:r>
-              <a:rPr lang="ko-KR" altLang="en-US" sz="1200" dirty="0" smtClean="0"/>
-              <a:t>노이즈 제거 </a:t>
-            </a:r>
-            <a:r>
-              <a:rPr lang="en-US" altLang="ko-KR" sz="1200" dirty="0" smtClean="0"/>
-              <a:t>: </a:t>
-            </a:r>
-            <a:r>
-              <a:rPr lang="ko-KR" altLang="en-US" sz="1200" dirty="0" smtClean="0"/>
-              <a:t>센서 출력값에 노이즈가 있다면</a:t>
-            </a:r>
-            <a:r>
-              <a:rPr lang="en-US" altLang="ko-KR" sz="1200" dirty="0" smtClean="0"/>
-              <a:t>, </a:t>
-            </a:r>
-            <a:r>
-              <a:rPr lang="ko-KR" altLang="en-US" sz="1200" dirty="0" smtClean="0"/>
-              <a:t>로봇의 움직임도 불규칙해진다</a:t>
-            </a:r>
-            <a:r>
-              <a:rPr lang="en-US" altLang="ko-KR" sz="1200" dirty="0" smtClean="0"/>
-              <a:t>.</a:t>
-            </a:r>
-          </a:p>
-          <a:p>
-            <a:pPr>
-              <a:buNone/>
-            </a:pPr>
-            <a:r>
-              <a:rPr lang="en-US" altLang="ko-KR" sz="1200" dirty="0" smtClean="0"/>
-              <a:t>   </a:t>
-            </a:r>
-            <a:r>
-              <a:rPr lang="ko-KR" altLang="en-US" sz="1200" dirty="0" smtClean="0"/>
-              <a:t>노이즈 제거를 위해서는 여러번 값을 입력받아 평균을 내거나 </a:t>
-            </a:r>
-            <a:r>
-              <a:rPr lang="en-US" altLang="ko-KR" sz="1200" dirty="0" smtClean="0"/>
-              <a:t>(</a:t>
-            </a:r>
-            <a:r>
-              <a:rPr lang="ko-KR" altLang="en-US" sz="1200" dirty="0" smtClean="0"/>
-              <a:t>값이 정상적인 값 근처에서 조금씩 변하는 경우</a:t>
-            </a:r>
-            <a:r>
-              <a:rPr lang="en-US" altLang="ko-KR" sz="1200" dirty="0" smtClean="0"/>
-              <a:t>)</a:t>
-            </a:r>
-          </a:p>
-          <a:p>
-            <a:pPr>
-              <a:buNone/>
-            </a:pPr>
-            <a:r>
-              <a:rPr lang="en-US" altLang="ko-KR" sz="1200" dirty="0" smtClean="0"/>
-              <a:t>   </a:t>
-            </a:r>
-            <a:r>
-              <a:rPr lang="ko-KR" altLang="en-US" sz="1200" dirty="0" smtClean="0"/>
-              <a:t>특정 범위를 벗어나는 값을 제거 </a:t>
-            </a:r>
-            <a:r>
-              <a:rPr lang="en-US" altLang="ko-KR" sz="1200" dirty="0" smtClean="0"/>
-              <a:t>(</a:t>
-            </a:r>
-            <a:r>
-              <a:rPr lang="ko-KR" altLang="en-US" sz="1200" dirty="0" smtClean="0"/>
-              <a:t>센서값이 갑자기 큰 값으로 튀는 경우</a:t>
-            </a:r>
-            <a:r>
-              <a:rPr lang="en-US" altLang="ko-KR" sz="1200" dirty="0" smtClean="0"/>
-              <a:t>)</a:t>
-            </a:r>
-          </a:p>
-          <a:p>
-            <a:endParaRPr lang="en-US" altLang="ko-KR" sz="1200" dirty="0" smtClean="0"/>
-          </a:p>
-          <a:p>
-            <a:pPr>
-              <a:buNone/>
-            </a:pPr>
-            <a:r>
-              <a:rPr lang="en-US" altLang="ko-KR" sz="1200" dirty="0" smtClean="0"/>
-              <a:t>3. </a:t>
-            </a:r>
-            <a:r>
-              <a:rPr lang="ko-KR" altLang="en-US" sz="1200" dirty="0" smtClean="0"/>
-              <a:t>노이즈가 발생하지 않도록 하드웨어를 잘 만드는 것도 중요함</a:t>
-            </a:r>
-            <a:endParaRPr lang="en-US" altLang="ko-KR" sz="1200" dirty="0" smtClean="0"/>
-          </a:p>
-          <a:p>
-            <a:pPr>
-              <a:buNone/>
-            </a:pPr>
-            <a:endParaRPr lang="en-US" altLang="ko-KR" sz="1200" dirty="0" smtClean="0"/>
-          </a:p>
-          <a:p>
-            <a:pPr>
-              <a:buNone/>
-            </a:pPr>
-            <a:r>
-              <a:rPr lang="en-US" altLang="ko-KR" sz="1200" dirty="0" smtClean="0"/>
-              <a:t>4. </a:t>
-            </a:r>
-            <a:r>
-              <a:rPr lang="ko-KR" altLang="en-US" sz="1200" dirty="0" smtClean="0"/>
-              <a:t>센서값을 거리값으로 변환 </a:t>
-            </a:r>
-            <a:endParaRPr lang="en-US" altLang="ko-KR" sz="1200" dirty="0" smtClean="0"/>
-          </a:p>
-          <a:p>
-            <a:pPr>
-              <a:buNone/>
-            </a:pPr>
-            <a:r>
-              <a:rPr lang="en-US" altLang="ko-KR" sz="1200" dirty="0" smtClean="0"/>
-              <a:t>  1</a:t>
-            </a:r>
-            <a:r>
-              <a:rPr lang="ko-KR" altLang="en-US" sz="1200" dirty="0" smtClean="0"/>
-              <a:t>차로는 단순히 실험적으로 벽의 유무에 따른 경계값만 결정해서 동작이 가능 </a:t>
-            </a:r>
-            <a:endParaRPr lang="en-US" altLang="ko-KR" sz="1200" dirty="0" smtClean="0"/>
-          </a:p>
-          <a:p>
-            <a:pPr>
-              <a:buNone/>
-            </a:pPr>
-            <a:r>
-              <a:rPr lang="en-US" altLang="ko-KR" sz="1200" dirty="0" smtClean="0"/>
-              <a:t>   ex) </a:t>
-            </a:r>
-            <a:r>
-              <a:rPr lang="ko-KR" altLang="en-US" sz="1200" dirty="0" smtClean="0"/>
-              <a:t>전방 센서 값이 </a:t>
-            </a:r>
-            <a:r>
-              <a:rPr lang="en-US" altLang="ko-KR" sz="1200" dirty="0" smtClean="0"/>
-              <a:t>400 </a:t>
-            </a:r>
-            <a:r>
-              <a:rPr lang="ko-KR" altLang="en-US" sz="1200" dirty="0" smtClean="0"/>
-              <a:t>이상이면 벽이 있다</a:t>
-            </a:r>
-            <a:r>
-              <a:rPr lang="en-US" altLang="ko-KR" sz="1200" dirty="0" smtClean="0"/>
-              <a:t>.  </a:t>
-            </a:r>
-          </a:p>
-          <a:p>
-            <a:pPr>
-              <a:buNone/>
-            </a:pPr>
-            <a:r>
-              <a:rPr lang="en-US" altLang="ko-KR" sz="1200" dirty="0" smtClean="0"/>
-              <a:t>        </a:t>
-            </a:r>
-            <a:r>
-              <a:rPr lang="ko-KR" altLang="en-US" sz="1200" dirty="0" smtClean="0"/>
-              <a:t>좌우 센서는 </a:t>
-            </a:r>
-            <a:r>
-              <a:rPr lang="en-US" altLang="ko-KR" sz="1200" dirty="0" smtClean="0"/>
-              <a:t>400</a:t>
-            </a:r>
-            <a:r>
-              <a:rPr lang="ko-KR" altLang="en-US" sz="1200" dirty="0" smtClean="0"/>
-              <a:t>보다 크면 벽이 있다</a:t>
-            </a:r>
-            <a:r>
-              <a:rPr lang="en-US" altLang="ko-KR" sz="1200" dirty="0" smtClean="0"/>
-              <a:t>. , 500 </a:t>
-            </a:r>
-            <a:r>
-              <a:rPr lang="ko-KR" altLang="en-US" sz="1200" dirty="0" smtClean="0"/>
-              <a:t>보다 크면 벽이 가깝다</a:t>
-            </a:r>
-            <a:r>
-              <a:rPr lang="en-US" altLang="ko-KR" sz="1200" dirty="0" smtClean="0"/>
-              <a:t>. 300</a:t>
-            </a:r>
-            <a:r>
-              <a:rPr lang="ko-KR" altLang="en-US" sz="1200" dirty="0" smtClean="0"/>
-              <a:t>보다 크면 벽이 멀다</a:t>
-            </a:r>
-            <a:endParaRPr lang="en-US" altLang="ko-KR" sz="1200" dirty="0" smtClean="0"/>
-          </a:p>
-          <a:p>
-            <a:pPr>
-              <a:buNone/>
-            </a:pPr>
-            <a:r>
-              <a:rPr lang="en-US" altLang="ko-KR" sz="1200" dirty="0" smtClean="0"/>
-              <a:t>        -&gt; </a:t>
-            </a:r>
-            <a:r>
-              <a:rPr lang="ko-KR" altLang="en-US" sz="1200" dirty="0" smtClean="0"/>
-              <a:t>몇단계로만 나누어 제어가 가능 </a:t>
-            </a:r>
-            <a:r>
-              <a:rPr lang="en-US" altLang="ko-KR" sz="1200" dirty="0" smtClean="0"/>
-              <a:t>-&gt; </a:t>
-            </a:r>
-            <a:r>
-              <a:rPr lang="ko-KR" altLang="en-US" sz="1200" dirty="0" smtClean="0"/>
-              <a:t>제어가 매끄럽지 않다</a:t>
-            </a:r>
-            <a:r>
-              <a:rPr lang="en-US" altLang="ko-KR" sz="1200" dirty="0" smtClean="0"/>
-              <a:t>.</a:t>
-            </a:r>
-          </a:p>
-          <a:p>
-            <a:pPr>
-              <a:buNone/>
-            </a:pPr>
-            <a:endParaRPr lang="en-US" altLang="ko-KR" sz="1200" dirty="0" smtClean="0"/>
-          </a:p>
-          <a:p>
-            <a:pPr>
-              <a:buNone/>
-            </a:pPr>
-            <a:r>
-              <a:rPr lang="en-US" altLang="ko-KR" sz="1200" dirty="0" smtClean="0"/>
-              <a:t>  </a:t>
-            </a:r>
-            <a:r>
-              <a:rPr lang="ko-KR" altLang="en-US" sz="1200" dirty="0" smtClean="0"/>
-              <a:t>세부적인 제어를 위해서는 변환 테이블을 이용해서 센서값의 출력을 거리로 환산해주면 좋다</a:t>
-            </a:r>
-            <a:r>
-              <a:rPr lang="en-US" altLang="ko-KR" sz="1200" dirty="0" smtClean="0"/>
-              <a:t>.</a:t>
-            </a:r>
-          </a:p>
-          <a:p>
-            <a:pPr>
-              <a:buNone/>
-            </a:pPr>
-            <a:r>
-              <a:rPr lang="en-US" altLang="ko-KR" sz="1200" dirty="0" smtClean="0"/>
-              <a:t>   ex) </a:t>
-            </a:r>
-            <a:r>
-              <a:rPr lang="ko-KR" altLang="en-US" sz="1200" dirty="0" smtClean="0"/>
-              <a:t>센서값의 출력 그래프를 이용해서 변환 수식을 작성</a:t>
-            </a:r>
-            <a:endParaRPr lang="en-US" altLang="ko-KR" sz="1200" dirty="0" smtClean="0"/>
-          </a:p>
-          <a:p>
-            <a:pPr>
-              <a:buNone/>
-            </a:pPr>
-            <a:r>
-              <a:rPr lang="en-US" altLang="ko-KR" sz="1200" dirty="0" smtClean="0"/>
-              <a:t>        </a:t>
-            </a:r>
-            <a:r>
-              <a:rPr lang="ko-KR" altLang="en-US" sz="1200" dirty="0" smtClean="0"/>
-              <a:t>복잡한 수식을 직접 계산하면 속도가 느릴수 있으므로</a:t>
-            </a:r>
-            <a:r>
-              <a:rPr lang="en-US" altLang="ko-KR" sz="1200" dirty="0" smtClean="0"/>
-              <a:t>, </a:t>
-            </a:r>
-            <a:r>
-              <a:rPr lang="ko-KR" altLang="en-US" sz="1200" dirty="0" smtClean="0"/>
-              <a:t>변환 테이블을 작성하기도 한다</a:t>
-            </a:r>
-            <a:r>
-              <a:rPr lang="en-US" altLang="ko-KR" sz="1200" dirty="0" smtClean="0"/>
-              <a:t>.</a:t>
-            </a:r>
-          </a:p>
-          <a:p>
-            <a:pPr>
-              <a:buNone/>
-            </a:pPr>
-            <a:r>
-              <a:rPr lang="en-US" altLang="ko-KR" sz="1200" dirty="0" smtClean="0"/>
-              <a:t>  </a:t>
-            </a:r>
-          </a:p>
-          <a:p>
-            <a:pPr>
-              <a:buNone/>
-            </a:pPr>
-            <a:r>
-              <a:rPr lang="en-US" altLang="ko-KR" sz="1200" dirty="0" smtClean="0"/>
-              <a:t>   </a:t>
-            </a:r>
-          </a:p>
-          <a:p>
-            <a:pPr>
-              <a:buNone/>
-            </a:pPr>
-            <a:r>
-              <a:rPr lang="en-US" altLang="ko-KR" sz="1200" dirty="0" smtClean="0"/>
-              <a:t>         </a:t>
-            </a:r>
-            <a:endParaRPr lang="ko-KR" altLang="en-US" sz="1200" dirty="0"/>
+          <a:bodyPr/>
+          <a:lstStyle/>
+          <a:p>
+            <a:endParaRPr lang="ko-KR" altLang="en-US"/>
           </a:p>
         </p:txBody>
       </p:sp>
@@ -4341,7 +3993,7 @@
           <a:p>
             <a:r>
               <a:rPr lang="ko-KR" altLang="en-US" dirty="0" smtClean="0"/>
-              <a:t>이동 방향 결정</a:t>
+              <a:t>센서</a:t>
             </a:r>
             <a:endParaRPr lang="ko-KR" altLang="en-US" dirty="0"/>
           </a:p>
@@ -4368,29 +4020,53 @@
               <a:buNone/>
             </a:pPr>
             <a:r>
-              <a:rPr lang="ko-KR" altLang="en-US" sz="1200" dirty="0" smtClean="0"/>
-              <a:t>모터  제어와 연관된 부분으로</a:t>
-            </a:r>
-            <a:r>
-              <a:rPr lang="en-US" altLang="ko-KR" sz="1200" dirty="0" smtClean="0"/>
-              <a:t> </a:t>
-            </a:r>
-            <a:r>
-              <a:rPr lang="ko-KR" altLang="en-US" sz="1200" dirty="0" smtClean="0"/>
-              <a:t>모터 제어가 모터 자체의 동작을 제어하는 것이라면</a:t>
-            </a:r>
-            <a:r>
-              <a:rPr lang="en-US" altLang="ko-KR" sz="1200" dirty="0" smtClean="0"/>
-              <a:t>,</a:t>
-            </a:r>
-          </a:p>
-          <a:p>
-            <a:pPr>
-              <a:buNone/>
-            </a:pPr>
-            <a:r>
-              <a:rPr lang="ko-KR" altLang="en-US" sz="1200" dirty="0" smtClean="0"/>
-              <a:t>이동 방향 결정은</a:t>
+              <a:rPr lang="en-US" altLang="ko-KR" sz="1200" dirty="0" smtClean="0"/>
+              <a:t>1. </a:t>
+            </a:r>
+            <a:r>
+              <a:rPr lang="ko-KR" altLang="en-US" sz="1200" dirty="0" smtClean="0"/>
+              <a:t>작동 </a:t>
+            </a:r>
+            <a:r>
+              <a:rPr lang="en-US" altLang="ko-KR" sz="1200" dirty="0" smtClean="0"/>
+              <a:t>: </a:t>
+            </a:r>
+            <a:r>
+              <a:rPr lang="ko-KR" altLang="en-US" sz="1200" dirty="0" smtClean="0"/>
+              <a:t>모듈화된 센서를 사용하기 때문에 센서값을 </a:t>
+            </a:r>
+            <a:r>
+              <a:rPr lang="en-US" altLang="ko-KR" sz="1200" dirty="0" smtClean="0"/>
+              <a:t>analogRead</a:t>
+            </a:r>
+            <a:r>
+              <a:rPr lang="ko-KR" altLang="en-US" sz="1200" dirty="0" smtClean="0"/>
+              <a:t>로 읽어들이면 됨</a:t>
+            </a:r>
+            <a:endParaRPr lang="en-US" altLang="ko-KR" sz="1200" dirty="0" smtClean="0"/>
+          </a:p>
+          <a:p>
+            <a:endParaRPr lang="en-US" altLang="ko-KR" sz="1200" dirty="0" smtClean="0"/>
+          </a:p>
+          <a:p>
+            <a:pPr>
+              <a:buNone/>
+            </a:pPr>
+            <a:r>
+              <a:rPr lang="en-US" altLang="ko-KR" sz="1200" dirty="0" smtClean="0"/>
+              <a:t>2. </a:t>
+            </a:r>
+            <a:r>
+              <a:rPr lang="ko-KR" altLang="en-US" sz="1200" dirty="0" smtClean="0"/>
+              <a:t>노이즈 제거 </a:t>
+            </a:r>
+            <a:r>
+              <a:rPr lang="en-US" altLang="ko-KR" sz="1200" dirty="0" smtClean="0"/>
+              <a:t>: </a:t>
+            </a:r>
+            <a:r>
+              <a:rPr lang="ko-KR" altLang="en-US" sz="1200" dirty="0" smtClean="0"/>
+              <a:t>센서 출력값에 노이즈가 있다면</a:t>
             </a:r>
             <a:r>
               <a:rPr lang="en-US" altLang="ko-KR" sz="1200" dirty="0" smtClean="0"/>
@@ -4398,7 +4074,250 @@
             </a:r>
             <a:r>
               <a:rPr lang="ko-KR" altLang="en-US" sz="1200" dirty="0" smtClean="0"/>
-              <a:t>센서값과 미로 탐색 알고리즘에 따라 로봇이 나아갈 방향을 정하고</a:t>
+              <a:t>로봇의 움직임도 불규칙해진다</a:t>
+            </a:r>
+            <a:r>
+              <a:rPr lang="en-US" altLang="ko-KR" sz="1200" dirty="0" smtClean="0"/>
+              <a:t>.</a:t>
+            </a:r>
+          </a:p>
+          <a:p>
+            <a:pPr>
+              <a:buNone/>
+            </a:pPr>
+            <a:r>
+              <a:rPr lang="en-US" altLang="ko-KR" sz="1200" dirty="0" smtClean="0"/>
+              <a:t>   </a:t>
+            </a:r>
+            <a:r>
+              <a:rPr lang="ko-KR" altLang="en-US" sz="1200" dirty="0" smtClean="0"/>
+              <a:t>노이즈 제거를 위해서는 여러번 값을 입력받아 평균을 내거나 </a:t>
+            </a:r>
+            <a:r>
+              <a:rPr lang="en-US" altLang="ko-KR" sz="1200" dirty="0" smtClean="0"/>
+              <a:t>(</a:t>
+            </a:r>
+            <a:r>
+              <a:rPr lang="ko-KR" altLang="en-US" sz="1200" dirty="0" smtClean="0"/>
+              <a:t>값이 정상적인 값 근처에서 조금씩 변하는 경우</a:t>
+            </a:r>
+            <a:r>
+              <a:rPr lang="en-US" altLang="ko-KR" sz="1200" dirty="0" smtClean="0"/>
+              <a:t>)</a:t>
+            </a:r>
+          </a:p>
+          <a:p>
+            <a:pPr>
+              <a:buNone/>
+            </a:pPr>
+            <a:r>
+              <a:rPr lang="en-US" altLang="ko-KR" sz="1200" dirty="0" smtClean="0"/>
+              <a:t>   </a:t>
+            </a:r>
+            <a:r>
+              <a:rPr lang="ko-KR" altLang="en-US" sz="1200" dirty="0" smtClean="0"/>
+              <a:t>특정 범위를 벗어나는 값을 제거 </a:t>
+            </a:r>
+            <a:r>
+              <a:rPr lang="en-US" altLang="ko-KR" sz="1200" dirty="0" smtClean="0"/>
+              <a:t>(</a:t>
+            </a:r>
+            <a:r>
+              <a:rPr lang="ko-KR" altLang="en-US" sz="1200" dirty="0" smtClean="0"/>
+              <a:t>센서값이 갑자기 큰 값으로 튀는 경우</a:t>
+            </a:r>
+            <a:r>
+              <a:rPr lang="en-US" altLang="ko-KR" sz="1200" dirty="0" smtClean="0"/>
+              <a:t>)</a:t>
+            </a:r>
+          </a:p>
+          <a:p>
+            <a:endParaRPr lang="en-US" altLang="ko-KR" sz="1200" dirty="0" smtClean="0"/>
+          </a:p>
+          <a:p>
+            <a:pPr>
+              <a:buNone/>
+            </a:pPr>
+            <a:r>
+              <a:rPr lang="en-US" altLang="ko-KR" sz="1200" dirty="0" smtClean="0"/>
+              <a:t>3. </a:t>
+            </a:r>
+            <a:r>
+              <a:rPr lang="ko-KR" altLang="en-US" sz="1200" dirty="0" smtClean="0"/>
+              <a:t>노이즈가 발생하지 않도록 하드웨어를 잘 만드는 것도 중요함</a:t>
+            </a:r>
+            <a:endParaRPr lang="en-US" altLang="ko-KR" sz="1200" dirty="0" smtClean="0"/>
+          </a:p>
+          <a:p>
+            <a:pPr>
+              <a:buNone/>
+            </a:pPr>
+            <a:endParaRPr lang="en-US" altLang="ko-KR" sz="1200" dirty="0" smtClean="0"/>
+          </a:p>
+          <a:p>
+            <a:pPr>
+              <a:buNone/>
+            </a:pPr>
+            <a:r>
+              <a:rPr lang="en-US" altLang="ko-KR" sz="1200" dirty="0" smtClean="0"/>
+              <a:t>4. </a:t>
+            </a:r>
+            <a:r>
+              <a:rPr lang="ko-KR" altLang="en-US" sz="1200" dirty="0" smtClean="0"/>
+              <a:t>센서값을 거리값으로 변환 </a:t>
+            </a:r>
+            <a:endParaRPr lang="en-US" altLang="ko-KR" sz="1200" dirty="0" smtClean="0"/>
+          </a:p>
+          <a:p>
+            <a:pPr>
+              <a:buNone/>
+            </a:pPr>
+            <a:r>
+              <a:rPr lang="en-US" altLang="ko-KR" sz="1200" dirty="0" smtClean="0"/>
+              <a:t>  1</a:t>
+            </a:r>
+            <a:r>
+              <a:rPr lang="ko-KR" altLang="en-US" sz="1200" dirty="0" smtClean="0"/>
+              <a:t>차로는 단순히 실험적으로 벽의 유무에 따른 경계값만 결정해서 동작이 가능 </a:t>
+            </a:r>
+            <a:endParaRPr lang="en-US" altLang="ko-KR" sz="1200" dirty="0" smtClean="0"/>
+          </a:p>
+          <a:p>
+            <a:pPr>
+              <a:buNone/>
+            </a:pPr>
+            <a:r>
+              <a:rPr lang="en-US" altLang="ko-KR" sz="1200" dirty="0" smtClean="0"/>
+              <a:t>   ex) </a:t>
+            </a:r>
+            <a:r>
+              <a:rPr lang="ko-KR" altLang="en-US" sz="1200" dirty="0" smtClean="0"/>
+              <a:t>전방 센서 값이 </a:t>
+            </a:r>
+            <a:r>
+              <a:rPr lang="en-US" altLang="ko-KR" sz="1200" dirty="0" smtClean="0"/>
+              <a:t>400 </a:t>
+            </a:r>
+            <a:r>
+              <a:rPr lang="ko-KR" altLang="en-US" sz="1200" dirty="0" smtClean="0"/>
+              <a:t>이상이면 벽이 있다</a:t>
+            </a:r>
+            <a:r>
+              <a:rPr lang="en-US" altLang="ko-KR" sz="1200" dirty="0" smtClean="0"/>
+              <a:t>.  </a:t>
+            </a:r>
+          </a:p>
+          <a:p>
+            <a:pPr>
+              <a:buNone/>
+            </a:pPr>
+            <a:r>
+              <a:rPr lang="en-US" altLang="ko-KR" sz="1200" dirty="0" smtClean="0"/>
+              <a:t>        </a:t>
+            </a:r>
+            <a:r>
+              <a:rPr lang="ko-KR" altLang="en-US" sz="1200" dirty="0" smtClean="0"/>
+              <a:t>좌우 센서는 </a:t>
+            </a:r>
+            <a:r>
+              <a:rPr lang="en-US" altLang="ko-KR" sz="1200" dirty="0" smtClean="0"/>
+              <a:t>400</a:t>
+            </a:r>
+            <a:r>
+              <a:rPr lang="ko-KR" altLang="en-US" sz="1200" dirty="0" smtClean="0"/>
+              <a:t>보다 크면 벽이 있다</a:t>
+            </a:r>
+            <a:r>
+              <a:rPr lang="en-US" altLang="ko-KR" sz="1200" dirty="0" smtClean="0"/>
+              <a:t>. , 500 </a:t>
+            </a:r>
+            <a:r>
+              <a:rPr lang="ko-KR" altLang="en-US" sz="1200" dirty="0" smtClean="0"/>
+              <a:t>보다 크면 벽이 가깝다</a:t>
+            </a:r>
+            <a:r>
+              <a:rPr lang="en-US" altLang="ko-KR" sz="1200" dirty="0" smtClean="0"/>
+              <a:t>. 300</a:t>
+            </a:r>
+            <a:r>
+              <a:rPr lang="ko-KR" altLang="en-US" sz="1200" dirty="0" smtClean="0"/>
+              <a:t>보다 크면 벽이 멀다</a:t>
+            </a:r>
+            <a:endParaRPr lang="en-US" altLang="ko-KR" sz="1200" dirty="0" smtClean="0"/>
+          </a:p>
+          <a:p>
+            <a:pPr>
+              <a:buNone/>
+            </a:pPr>
+            <a:r>
+              <a:rPr lang="en-US" altLang="ko-KR" sz="1200" dirty="0" smtClean="0"/>
+              <a:t>        -&gt; </a:t>
+            </a:r>
+            <a:r>
+              <a:rPr lang="ko-KR" altLang="en-US" sz="1200" dirty="0" smtClean="0"/>
+              <a:t>몇단계로만 나누어 제어가 가능 </a:t>
+            </a:r>
+            <a:r>
+              <a:rPr lang="en-US" altLang="ko-KR" sz="1200" dirty="0" smtClean="0"/>
+              <a:t>-&gt; </a:t>
+            </a:r>
+            <a:r>
+              <a:rPr lang="ko-KR" altLang="en-US" sz="1200" dirty="0" smtClean="0"/>
+              <a:t>제어가 매끄럽지 않다</a:t>
+            </a:r>
+            <a:r>
+              <a:rPr lang="en-US" altLang="ko-KR" sz="1200" dirty="0" smtClean="0"/>
+              <a:t>.</a:t>
+            </a:r>
+          </a:p>
+          <a:p>
+            <a:pPr>
+              <a:buNone/>
+            </a:pPr>
+            <a:endParaRPr lang="en-US" altLang="ko-KR" sz="1200" dirty="0" smtClean="0"/>
+          </a:p>
+          <a:p>
+            <a:pPr>
+              <a:buNone/>
+            </a:pPr>
+            <a:r>
+              <a:rPr lang="en-US" altLang="ko-KR" sz="1200" dirty="0" smtClean="0"/>
+              <a:t>  </a:t>
+            </a:r>
+            <a:r>
+              <a:rPr lang="ko-KR" altLang="en-US" sz="1200" dirty="0" smtClean="0"/>
+              <a:t>세부적인 제어를 위해서는 변환 테이블을 이용해서 센서값의 출력을 거리로 환산해주면 좋다</a:t>
+            </a:r>
+            <a:r>
+              <a:rPr lang="en-US" altLang="ko-KR" sz="1200" dirty="0" smtClean="0"/>
+              <a:t>.</a:t>
+            </a:r>
+          </a:p>
+          <a:p>
+            <a:pPr>
+              <a:buNone/>
+            </a:pPr>
+            <a:r>
+              <a:rPr lang="en-US" altLang="ko-KR" sz="1200" dirty="0" smtClean="0"/>
+              <a:t>   ex) </a:t>
+            </a:r>
+            <a:r>
+              <a:rPr lang="ko-KR" altLang="en-US" sz="1200" dirty="0" smtClean="0"/>
+              <a:t>센서값의 출력 그래프를 이용해서 변환 수식을 작성</a:t>
+            </a:r>
+            <a:endParaRPr lang="en-US" altLang="ko-KR" sz="1200" dirty="0" smtClean="0"/>
+          </a:p>
+          <a:p>
+            <a:pPr>
+              <a:buNone/>
+            </a:pPr>
+            <a:r>
+              <a:rPr lang="en-US" altLang="ko-KR" sz="1200" dirty="0" smtClean="0"/>
+              <a:t>        </a:t>
+            </a:r>
+            <a:r>
+              <a:rPr lang="ko-KR" altLang="en-US" sz="1200" dirty="0" smtClean="0"/>
+              <a:t>복잡한 수식을 직접 계산하면 속도가 느릴수 있으므로</a:t>
             </a:r>
             <a:r>
               <a:rPr lang="en-US" altLang="ko-KR" sz="1200" dirty="0" smtClean="0"/>
@@ -4406,17 +4325,7 @@
             </a:r>
             <a:r>
               <a:rPr lang="ko-KR" altLang="en-US" sz="1200" dirty="0" smtClean="0"/>
-              <a:t>그에 따라 모터 제어 기능에</a:t>
-            </a:r>
-            <a:endParaRPr lang="en-US" altLang="ko-KR" sz="1200" dirty="0" smtClean="0"/>
-          </a:p>
-          <a:p>
-            <a:pPr>
-              <a:buNone/>
-            </a:pPr>
-            <a:r>
-              <a:rPr lang="ko-KR" altLang="en-US" sz="1200" dirty="0" smtClean="0"/>
-              <a:t>모터 제어 방향을 알려주는 것이다</a:t>
+              <a:t>변환 테이블을 작성하기도 한다</a:t>
             </a:r>
             <a:r>
               <a:rPr lang="en-US" altLang="ko-KR" sz="1200" dirty="0" smtClean="0"/>
@@ -4427,236 +4336,29 @@
             <a:pPr>
               <a:buNone/>
             </a:pPr>
-            <a:endParaRPr lang="en-US" altLang="ko-KR" sz="1200" dirty="0" smtClean="0"/>
-          </a:p>
-          <a:p>
-            <a:pPr>
-              <a:buNone/>
-            </a:pPr>
-            <a:r>
-              <a:rPr lang="ko-KR" altLang="en-US" sz="1200" dirty="0" smtClean="0"/>
-              <a:t>이동 방향 결정은 실제 로봇의 구조</a:t>
-            </a:r>
-            <a:r>
-              <a:rPr lang="en-US" altLang="ko-KR" sz="1200" dirty="0" smtClean="0"/>
-              <a:t>, </a:t>
-            </a:r>
-            <a:r>
-              <a:rPr lang="ko-KR" altLang="en-US" sz="1200" dirty="0" smtClean="0"/>
-              <a:t>모터의 배선 순서</a:t>
-            </a:r>
-            <a:r>
-              <a:rPr lang="en-US" altLang="ko-KR" sz="1200" dirty="0" smtClean="0"/>
-              <a:t>, </a:t>
-            </a:r>
-            <a:r>
-              <a:rPr lang="ko-KR" altLang="en-US" sz="1200" dirty="0" smtClean="0"/>
-              <a:t>등에 따라</a:t>
-            </a:r>
-            <a:endParaRPr lang="en-US" altLang="ko-KR" sz="1200" dirty="0" smtClean="0"/>
-          </a:p>
-          <a:p>
-            <a:pPr>
-              <a:buNone/>
-            </a:pPr>
-            <a:r>
-              <a:rPr lang="ko-KR" altLang="en-US" sz="1200" dirty="0" smtClean="0"/>
-              <a:t>직진하려면 모터 </a:t>
-            </a:r>
-            <a:r>
-              <a:rPr lang="en-US" altLang="ko-KR" sz="1200" dirty="0" smtClean="0"/>
-              <a:t>2</a:t>
-            </a:r>
-            <a:r>
-              <a:rPr lang="ko-KR" altLang="en-US" sz="1200" dirty="0" smtClean="0"/>
-              <a:t>개를 어느 방향으로 회전하고</a:t>
-            </a:r>
-            <a:r>
-              <a:rPr lang="en-US" altLang="ko-KR" sz="1200" dirty="0" smtClean="0"/>
-              <a:t>, </a:t>
-            </a:r>
-            <a:r>
-              <a:rPr lang="ko-KR" altLang="en-US" sz="1200" dirty="0" smtClean="0"/>
-              <a:t>좌회전하려면 어떤 모터를 어떤 방샹으로 회전할지 결정하는 것이다</a:t>
-            </a:r>
-            <a:r>
-              <a:rPr lang="en-US" altLang="ko-KR" sz="1200" dirty="0" smtClean="0"/>
-              <a:t>.</a:t>
-            </a:r>
-          </a:p>
-          <a:p>
-            <a:pPr>
-              <a:buNone/>
-            </a:pPr>
-            <a:r>
-              <a:rPr lang="en-US" altLang="ko-KR" sz="1200" dirty="0" smtClean="0"/>
-              <a:t>(</a:t>
-            </a:r>
-            <a:r>
-              <a:rPr lang="ko-KR" altLang="en-US" sz="1200" dirty="0" smtClean="0"/>
-              <a:t>모터 제어와 이동 방햔 결정은 서로 연관된 내용</a:t>
-            </a:r>
-            <a:r>
-              <a:rPr lang="en-US" altLang="ko-KR" sz="1200" dirty="0" smtClean="0"/>
-              <a:t>)</a:t>
-            </a:r>
-          </a:p>
-          <a:p>
-            <a:pPr>
-              <a:buNone/>
-            </a:pPr>
-            <a:endParaRPr lang="en-US" altLang="ko-KR" sz="1200" dirty="0" smtClean="0"/>
-          </a:p>
-          <a:p>
-            <a:pPr>
-              <a:buNone/>
-            </a:pPr>
-            <a:r>
-              <a:rPr lang="en-US" altLang="ko-KR" sz="1200" dirty="0" smtClean="0"/>
-              <a:t>Ex) </a:t>
-            </a:r>
-            <a:r>
-              <a:rPr lang="ko-KR" altLang="en-US" sz="1200" dirty="0" smtClean="0"/>
-              <a:t> 직진 </a:t>
-            </a:r>
-            <a:r>
-              <a:rPr lang="en-US" altLang="ko-KR" sz="1200" dirty="0" smtClean="0"/>
-              <a:t>-&gt;  </a:t>
-            </a:r>
-            <a:r>
-              <a:rPr lang="ko-KR" altLang="en-US" sz="1200" dirty="0" smtClean="0"/>
-              <a:t>모터 </a:t>
-            </a:r>
-            <a:r>
-              <a:rPr lang="en-US" altLang="ko-KR" sz="1200" dirty="0" smtClean="0"/>
-              <a:t>1 : CW , </a:t>
-            </a:r>
-            <a:r>
-              <a:rPr lang="ko-KR" altLang="en-US" sz="1200" dirty="0" smtClean="0"/>
-              <a:t>모터 </a:t>
-            </a:r>
-            <a:r>
-              <a:rPr lang="en-US" altLang="ko-KR" sz="1200" dirty="0" smtClean="0"/>
-              <a:t>2</a:t>
-            </a:r>
-            <a:r>
-              <a:rPr lang="ko-KR" altLang="en-US" sz="1200" dirty="0" smtClean="0"/>
-              <a:t> </a:t>
-            </a:r>
-            <a:r>
-              <a:rPr lang="en-US" altLang="ko-KR" sz="1200" dirty="0" smtClean="0"/>
-              <a:t>: CCW  (</a:t>
-            </a:r>
-            <a:r>
-              <a:rPr lang="ko-KR" altLang="en-US" sz="1200" dirty="0" smtClean="0"/>
-              <a:t>모터는 서로 마주보고 있으므로 서로 반대방향이 됨</a:t>
-            </a:r>
-            <a:r>
-              <a:rPr lang="en-US" altLang="ko-KR" sz="1200" dirty="0" smtClean="0"/>
-              <a:t>)</a:t>
-            </a:r>
-          </a:p>
-          <a:p>
-            <a:pPr>
-              <a:buNone/>
-            </a:pPr>
-            <a:r>
-              <a:rPr lang="en-US" altLang="ko-KR" sz="1200" dirty="0" smtClean="0"/>
-              <a:t>      </a:t>
-            </a:r>
-            <a:r>
-              <a:rPr lang="ko-KR" altLang="en-US" sz="1200" dirty="0" smtClean="0"/>
-              <a:t>좌회전 </a:t>
-            </a:r>
-            <a:r>
-              <a:rPr lang="en-US" altLang="ko-KR" sz="1200" dirty="0" smtClean="0"/>
-              <a:t>- &gt; </a:t>
-            </a:r>
-            <a:r>
-              <a:rPr lang="ko-KR" altLang="en-US" sz="1200" dirty="0" smtClean="0"/>
-              <a:t>모터 </a:t>
-            </a:r>
-            <a:r>
-              <a:rPr lang="en-US" altLang="ko-KR" sz="1200" dirty="0" smtClean="0"/>
-              <a:t>1 ; CW : </a:t>
-            </a:r>
-            <a:r>
-              <a:rPr lang="ko-KR" altLang="en-US" sz="1200" dirty="0" smtClean="0"/>
-              <a:t>모터 </a:t>
-            </a:r>
-            <a:r>
-              <a:rPr lang="en-US" altLang="ko-KR" sz="1200" dirty="0" smtClean="0"/>
-              <a:t>2 : CW</a:t>
-            </a:r>
-          </a:p>
-          <a:p>
-            <a:pPr>
-              <a:buNone/>
-            </a:pPr>
-            <a:r>
-              <a:rPr lang="en-US" altLang="ko-KR" sz="1200" dirty="0" smtClean="0"/>
-              <a:t>      </a:t>
-            </a:r>
-            <a:r>
-              <a:rPr lang="ko-KR" altLang="en-US" sz="1200" dirty="0" smtClean="0"/>
-              <a:t>우회전 </a:t>
-            </a:r>
-            <a:r>
-              <a:rPr lang="en-US" altLang="ko-KR" sz="1200" dirty="0" smtClean="0"/>
-              <a:t>- &gt; </a:t>
-            </a:r>
-            <a:r>
-              <a:rPr lang="ko-KR" altLang="en-US" sz="1200" dirty="0" smtClean="0"/>
-              <a:t>모터 </a:t>
-            </a:r>
-            <a:r>
-              <a:rPr lang="en-US" altLang="ko-KR" sz="1200" dirty="0" smtClean="0"/>
-              <a:t>1 ; CCW : </a:t>
-            </a:r>
-            <a:r>
-              <a:rPr lang="ko-KR" altLang="en-US" sz="1200" dirty="0" smtClean="0"/>
-              <a:t>모터 </a:t>
-            </a:r>
-            <a:r>
-              <a:rPr lang="en-US" altLang="ko-KR" sz="1200" dirty="0" smtClean="0"/>
-              <a:t>2 : CCW</a:t>
-            </a:r>
-          </a:p>
-          <a:p>
-            <a:pPr>
-              <a:buNone/>
-            </a:pPr>
-            <a:endParaRPr lang="en-US" altLang="ko-KR" sz="1200" dirty="0" smtClean="0"/>
-          </a:p>
-          <a:p>
-            <a:pPr>
-              <a:buNone/>
-            </a:pPr>
-            <a:r>
-              <a:rPr lang="ko-KR" altLang="en-US" sz="1200" dirty="0" smtClean="0"/>
-              <a:t>더 나아가 </a:t>
-            </a:r>
-            <a:r>
-              <a:rPr lang="en-US" altLang="ko-KR" sz="1200" dirty="0" smtClean="0"/>
-              <a:t>90</a:t>
-            </a:r>
-            <a:r>
-              <a:rPr lang="ko-KR" altLang="en-US" sz="1200" dirty="0" smtClean="0"/>
-              <a:t>도 회전을 위해서는 몇 스텝을 회전해야 할지 등도 결정해야 한다</a:t>
-            </a:r>
-            <a:r>
-              <a:rPr lang="en-US" altLang="ko-KR" sz="1200" dirty="0" smtClean="0"/>
-              <a:t>.</a:t>
-            </a:r>
-          </a:p>
-          <a:p>
-            <a:pPr>
-              <a:buNone/>
-            </a:pPr>
-            <a:r>
-              <a:rPr lang="en-US" altLang="ko-KR" sz="1200" dirty="0" smtClean="0"/>
-              <a:t>      </a:t>
-            </a:r>
+            <a:r>
+              <a:rPr lang="en-US" altLang="ko-KR" sz="1200" dirty="0" smtClean="0"/>
+              <a:t>  </a:t>
+            </a:r>
+          </a:p>
+          <a:p>
+            <a:pPr>
+              <a:buNone/>
+            </a:pPr>
+            <a:r>
+              <a:rPr lang="en-US" altLang="ko-KR" sz="1200" dirty="0" smtClean="0"/>
+              <a:t>   </a:t>
+            </a:r>
+          </a:p>
+          <a:p>
+            <a:pPr>
+              <a:buNone/>
+            </a:pPr>
+            <a:r>
+              <a:rPr lang="en-US" altLang="ko-KR" sz="1200" dirty="0" smtClean="0"/>
+              <a:t>         </a:t>
+            </a:r>
+            <a:endParaRPr lang="ko-KR" altLang="en-US" sz="1200" dirty="0"/>
           </a:p>
         </p:txBody>
       </p:sp>
@@ -4669,6 +4371,367 @@
 </file>
 
 <file path=ppt/slides/slide5.xml><?xml version="1.0" encoding="utf-8"?>
+<p:sld xmlns:a="http://schemas.openxmlformats.org/drawingml/2006/main" xmlns:r="http://schemas.openxmlformats.org/officeDocument/2006/relationships" xmlns:p="http://schemas.openxmlformats.org/presentationml/2006/main">
+  <p:cSld>
+    <p:spTree>
+      <p:nvGrpSpPr>
+        <p:cNvPr id="1" name=""/>
+        <p:cNvGrpSpPr/>
+        <p:nvPr/>
+      </p:nvGrpSpPr>
+      <p:grpSpPr>
+        <a:xfrm>
+          <a:off x="0" y="0"/>
+          <a:ext cx="0" cy="0"/>
+          <a:chOff x="0" y="0"/>
+          <a:chExt cx="0" cy="0"/>
+        </a:xfrm>
+      </p:grpSpPr>
+      <p:sp>
+        <p:nvSpPr>
+          <p:cNvPr id="2" name="제목 1"/>
+          <p:cNvSpPr>
+            <a:spLocks noGrp="1"/>
+          </p:cNvSpPr>
+          <p:nvPr>
+            <p:ph type="title"/>
+          </p:nvPr>
+        </p:nvSpPr>
+        <p:spPr/>
+        <p:txBody>
+          <a:bodyPr/>
+          <a:lstStyle/>
+          <a:p>
+            <a:r>
+              <a:rPr lang="ko-KR" altLang="en-US" dirty="0" smtClean="0"/>
+              <a:t>이동 방향 결정</a:t>
+            </a:r>
+            <a:endParaRPr lang="ko-KR" altLang="en-US" dirty="0"/>
+          </a:p>
+        </p:txBody>
+      </p:sp>
+      <p:sp>
+        <p:nvSpPr>
+          <p:cNvPr id="3" name="내용 개체 틀 2"/>
+          <p:cNvSpPr>
+            <a:spLocks noGrp="1"/>
+          </p:cNvSpPr>
+          <p:nvPr>
+            <p:ph idx="1"/>
+          </p:nvPr>
+        </p:nvSpPr>
+        <p:spPr/>
+        <p:txBody>
+          <a:bodyPr>
+            <a:normAutofit/>
+          </a:bodyPr>
+          <a:lstStyle/>
+          <a:p>
+            <a:pPr>
+              <a:buNone/>
+            </a:pPr>
+            <a:r>
+              <a:rPr lang="ko-KR" altLang="en-US" sz="1200" dirty="0" smtClean="0"/>
+              <a:t>모터  제어와 연관된 부분으로</a:t>
+            </a:r>
+            <a:r>
+              <a:rPr lang="en-US" altLang="ko-KR" sz="1200" dirty="0" smtClean="0"/>
+              <a:t> </a:t>
+            </a:r>
+            <a:r>
+              <a:rPr lang="ko-KR" altLang="en-US" sz="1200" dirty="0" smtClean="0"/>
+              <a:t>모터 제어가 모터 자체의 동작을 제어하는 것이라면</a:t>
+            </a:r>
+            <a:r>
+              <a:rPr lang="en-US" altLang="ko-KR" sz="1200" dirty="0" smtClean="0"/>
+              <a:t>,</a:t>
+            </a:r>
+          </a:p>
+          <a:p>
+            <a:pPr>
+              <a:buNone/>
+            </a:pPr>
+            <a:r>
+              <a:rPr lang="ko-KR" altLang="en-US" sz="1200" dirty="0" smtClean="0"/>
+              <a:t>이동 방향 결정은</a:t>
+            </a:r>
+            <a:r>
+              <a:rPr lang="en-US" altLang="ko-KR" sz="1200" dirty="0" smtClean="0"/>
+              <a:t>, </a:t>
+            </a:r>
+            <a:r>
+              <a:rPr lang="ko-KR" altLang="en-US" sz="1200" dirty="0" smtClean="0"/>
+              <a:t>센서값과 미로 탐색 알고리즘에 따라 로봇이 나아갈 방향을 정하고</a:t>
+            </a:r>
+            <a:r>
+              <a:rPr lang="en-US" altLang="ko-KR" sz="1200" dirty="0" smtClean="0"/>
+              <a:t>, </a:t>
+            </a:r>
+            <a:r>
+              <a:rPr lang="ko-KR" altLang="en-US" sz="1200" dirty="0" smtClean="0"/>
+              <a:t>그에 따라 모터 제어 기능에</a:t>
+            </a:r>
+            <a:endParaRPr lang="en-US" altLang="ko-KR" sz="1200" dirty="0" smtClean="0"/>
+          </a:p>
+          <a:p>
+            <a:pPr>
+              <a:buNone/>
+            </a:pPr>
+            <a:r>
+              <a:rPr lang="ko-KR" altLang="en-US" sz="1200" dirty="0" smtClean="0"/>
+              <a:t>모터 제어 방향을 알려주는 것이다</a:t>
+            </a:r>
+            <a:r>
+              <a:rPr lang="en-US" altLang="ko-KR" sz="1200" dirty="0" smtClean="0"/>
+              <a:t>.</a:t>
+            </a:r>
+          </a:p>
+          <a:p>
+            <a:pPr>
+              <a:buNone/>
+            </a:pPr>
+            <a:endParaRPr lang="en-US" altLang="ko-KR" sz="1200" dirty="0" smtClean="0"/>
+          </a:p>
+          <a:p>
+            <a:pPr>
+              <a:buNone/>
+            </a:pPr>
+            <a:r>
+              <a:rPr lang="ko-KR" altLang="en-US" sz="1200" dirty="0" smtClean="0"/>
+              <a:t>이동 방향 결정은 실제 로봇의 구조</a:t>
+            </a:r>
+            <a:r>
+              <a:rPr lang="en-US" altLang="ko-KR" sz="1200" dirty="0" smtClean="0"/>
+              <a:t>, </a:t>
+            </a:r>
+            <a:r>
+              <a:rPr lang="ko-KR" altLang="en-US" sz="1200" dirty="0" smtClean="0"/>
+              <a:t>모터의 배선 순서</a:t>
+            </a:r>
+            <a:r>
+              <a:rPr lang="en-US" altLang="ko-KR" sz="1200" dirty="0" smtClean="0"/>
+              <a:t>, </a:t>
+            </a:r>
+            <a:r>
+              <a:rPr lang="ko-KR" altLang="en-US" sz="1200" dirty="0" smtClean="0"/>
+              <a:t>등에 따라</a:t>
+            </a:r>
+            <a:endParaRPr lang="en-US" altLang="ko-KR" sz="1200" dirty="0" smtClean="0"/>
+          </a:p>
+          <a:p>
+            <a:pPr>
+              <a:buNone/>
+            </a:pPr>
+            <a:r>
+              <a:rPr lang="ko-KR" altLang="en-US" sz="1200" dirty="0" smtClean="0"/>
+              <a:t>직진하려면 모터 </a:t>
+            </a:r>
+            <a:r>
+              <a:rPr lang="en-US" altLang="ko-KR" sz="1200" dirty="0" smtClean="0"/>
+              <a:t>2</a:t>
+            </a:r>
+            <a:r>
+              <a:rPr lang="ko-KR" altLang="en-US" sz="1200" dirty="0" smtClean="0"/>
+              <a:t>개를 어느 방향으로 회전하고</a:t>
+            </a:r>
+            <a:r>
+              <a:rPr lang="en-US" altLang="ko-KR" sz="1200" dirty="0" smtClean="0"/>
+              <a:t>, </a:t>
+            </a:r>
+            <a:r>
+              <a:rPr lang="ko-KR" altLang="en-US" sz="1200" dirty="0" smtClean="0"/>
+              <a:t>좌회전하려면 어떤 모터를 어떤 방샹으로 회전할지 결정하는 것이다</a:t>
+            </a:r>
+            <a:r>
+              <a:rPr lang="en-US" altLang="ko-KR" sz="1200" dirty="0" smtClean="0"/>
+              <a:t>.</a:t>
+            </a:r>
+          </a:p>
+          <a:p>
+            <a:pPr>
+              <a:buNone/>
+            </a:pPr>
+            <a:r>
+              <a:rPr lang="en-US" altLang="ko-KR" sz="1200" dirty="0" smtClean="0"/>
+              <a:t>(</a:t>
+            </a:r>
+            <a:r>
+              <a:rPr lang="ko-KR" altLang="en-US" sz="1200" dirty="0" smtClean="0"/>
+              <a:t>모터 제어와 이동 방햔 결정은 서로 연관된 내용</a:t>
+            </a:r>
+            <a:r>
+              <a:rPr lang="en-US" altLang="ko-KR" sz="1200" dirty="0" smtClean="0"/>
+              <a:t>)</a:t>
+            </a:r>
+          </a:p>
+          <a:p>
+            <a:pPr>
+              <a:buNone/>
+            </a:pPr>
+            <a:endParaRPr lang="en-US" altLang="ko-KR" sz="1200" dirty="0" smtClean="0"/>
+          </a:p>
+          <a:p>
+            <a:pPr>
+              <a:buNone/>
+            </a:pPr>
+            <a:r>
+              <a:rPr lang="en-US" altLang="ko-KR" sz="1200" dirty="0" smtClean="0"/>
+              <a:t>Ex) </a:t>
+            </a:r>
+            <a:r>
+              <a:rPr lang="ko-KR" altLang="en-US" sz="1200" dirty="0" smtClean="0"/>
+              <a:t> 직진 </a:t>
+            </a:r>
+            <a:r>
+              <a:rPr lang="en-US" altLang="ko-KR" sz="1200" dirty="0" smtClean="0"/>
+              <a:t>-&gt;  </a:t>
+            </a:r>
+            <a:r>
+              <a:rPr lang="ko-KR" altLang="en-US" sz="1200" dirty="0" smtClean="0"/>
+              <a:t>모터 </a:t>
+            </a:r>
+            <a:r>
+              <a:rPr lang="en-US" altLang="ko-KR" sz="1200" dirty="0" smtClean="0"/>
+              <a:t>1 : CW , </a:t>
+            </a:r>
+            <a:r>
+              <a:rPr lang="ko-KR" altLang="en-US" sz="1200" dirty="0" smtClean="0"/>
+              <a:t>모터 </a:t>
+            </a:r>
+            <a:r>
+              <a:rPr lang="en-US" altLang="ko-KR" sz="1200" dirty="0" smtClean="0"/>
+              <a:t>2</a:t>
+            </a:r>
+            <a:r>
+              <a:rPr lang="ko-KR" altLang="en-US" sz="1200" dirty="0" smtClean="0"/>
+              <a:t> </a:t>
+            </a:r>
+            <a:r>
+              <a:rPr lang="en-US" altLang="ko-KR" sz="1200" dirty="0" smtClean="0"/>
+              <a:t>: CCW  (</a:t>
+            </a:r>
+            <a:r>
+              <a:rPr lang="ko-KR" altLang="en-US" sz="1200" dirty="0" smtClean="0"/>
+              <a:t>모터는 서로 마주보고 있으므로 서로 반대방향이 됨</a:t>
+            </a:r>
+            <a:r>
+              <a:rPr lang="en-US" altLang="ko-KR" sz="1200" dirty="0" smtClean="0"/>
+              <a:t>)</a:t>
+            </a:r>
+          </a:p>
+          <a:p>
+            <a:pPr>
+              <a:buNone/>
+            </a:pPr>
+            <a:r>
+              <a:rPr lang="en-US" altLang="ko-KR" sz="1200" dirty="0" smtClean="0"/>
+              <a:t>      </a:t>
+            </a:r>
+            <a:r>
+              <a:rPr lang="ko-KR" altLang="en-US" sz="1200" dirty="0" smtClean="0"/>
+              <a:t>좌회전 </a:t>
+            </a:r>
+            <a:r>
+              <a:rPr lang="en-US" altLang="ko-KR" sz="1200" dirty="0" smtClean="0"/>
+              <a:t>- &gt; </a:t>
+            </a:r>
+            <a:r>
+              <a:rPr lang="ko-KR" altLang="en-US" sz="1200" dirty="0" smtClean="0"/>
+              <a:t>모터 </a:t>
+            </a:r>
+            <a:r>
+              <a:rPr lang="en-US" altLang="ko-KR" sz="1200" dirty="0" smtClean="0"/>
+              <a:t>1 ; CW : </a:t>
+            </a:r>
+            <a:r>
+              <a:rPr lang="ko-KR" altLang="en-US" sz="1200" dirty="0" smtClean="0"/>
+              <a:t>모터 </a:t>
+            </a:r>
+            <a:r>
+              <a:rPr lang="en-US" altLang="ko-KR" sz="1200" dirty="0" smtClean="0"/>
+              <a:t>2 : CW</a:t>
+            </a:r>
+          </a:p>
+          <a:p>
+            <a:pPr>
+              <a:buNone/>
+            </a:pPr>
+            <a:r>
+              <a:rPr lang="en-US" altLang="ko-KR" sz="1200" dirty="0" smtClean="0"/>
+              <a:t>      </a:t>
+            </a:r>
+            <a:r>
+              <a:rPr lang="ko-KR" altLang="en-US" sz="1200" dirty="0" smtClean="0"/>
+              <a:t>우회전 </a:t>
+            </a:r>
+            <a:r>
+              <a:rPr lang="en-US" altLang="ko-KR" sz="1200" dirty="0" smtClean="0"/>
+              <a:t>- &gt; </a:t>
+            </a:r>
+            <a:r>
+              <a:rPr lang="ko-KR" altLang="en-US" sz="1200" dirty="0" smtClean="0"/>
+              <a:t>모터 </a:t>
+            </a:r>
+            <a:r>
+              <a:rPr lang="en-US" altLang="ko-KR" sz="1200" dirty="0" smtClean="0"/>
+              <a:t>1 ; CCW : </a:t>
+            </a:r>
+            <a:r>
+              <a:rPr lang="ko-KR" altLang="en-US" sz="1200" dirty="0" smtClean="0"/>
+              <a:t>모터 </a:t>
+            </a:r>
+            <a:r>
+              <a:rPr lang="en-US" altLang="ko-KR" sz="1200" dirty="0" smtClean="0"/>
+              <a:t>2 : CCW</a:t>
+            </a:r>
+          </a:p>
+          <a:p>
+            <a:pPr>
+              <a:buNone/>
+            </a:pPr>
+            <a:endParaRPr lang="en-US" altLang="ko-KR" sz="1200" dirty="0" smtClean="0"/>
+          </a:p>
+          <a:p>
+            <a:pPr>
+              <a:buNone/>
+            </a:pPr>
+            <a:r>
+              <a:rPr lang="ko-KR" altLang="en-US" sz="1200" dirty="0" smtClean="0"/>
+              <a:t>더 나아가 </a:t>
+            </a:r>
+            <a:r>
+              <a:rPr lang="en-US" altLang="ko-KR" sz="1200" dirty="0" smtClean="0"/>
+              <a:t>90</a:t>
+            </a:r>
+            <a:r>
+              <a:rPr lang="ko-KR" altLang="en-US" sz="1200" dirty="0" smtClean="0"/>
+              <a:t>도 회전을 위해서는 몇 스텝을 회전해야 할지 등도 결정해야 한다</a:t>
+            </a:r>
+            <a:r>
+              <a:rPr lang="en-US" altLang="ko-KR" sz="1200" dirty="0" smtClean="0"/>
+              <a:t>.</a:t>
+            </a:r>
+          </a:p>
+          <a:p>
+            <a:pPr>
+              <a:buNone/>
+            </a:pPr>
+            <a:r>
+              <a:rPr lang="en-US" altLang="ko-KR" sz="1200" dirty="0" smtClean="0"/>
+              <a:t>      </a:t>
+            </a:r>
+          </a:p>
+        </p:txBody>
+      </p:sp>
+    </p:spTree>
+  </p:cSld>
+  <p:clrMapOvr>
+    <a:masterClrMapping/>
+  </p:clrMapOvr>
+</p:sld>
+</file>
+
+<file path=ppt/slides/slide6.xml><?xml version="1.0" encoding="utf-8"?>
 <p:sld xmlns:a="http://schemas.openxmlformats.org/drawingml/2006/main" xmlns:r="http://schemas.openxmlformats.org/officeDocument/2006/relationships" xmlns:p="http://schemas.openxmlformats.org/presentationml/2006/main">
   <p:cSld>
     <p:spTree>
